--- a/presentation/docker.pptx
+++ b/presentation/docker.pptx
@@ -1710,6 +1710,58 @@
           <a:bodyPr/>
           <a:lstStyle/>
           <a:p>
+            <a:r>
+              <a:rPr lang="fr-FR" dirty="0" err="1"/>
+              <a:t>Podman</a:t>
+            </a:r>
+            <a:r>
+              <a:rPr lang="fr-FR" dirty="0"/>
+              <a:t> : </a:t>
+            </a:r>
+          </a:p>
+          <a:p>
+            <a:r>
+              <a:rPr lang="fr-FR" dirty="0"/>
+              <a:t> Mêmes commandes que Docker (possible d’utiliser un alias)</a:t>
+            </a:r>
+          </a:p>
+          <a:p>
+            <a:r>
+              <a:rPr lang="fr-FR" dirty="0"/>
+              <a:t> </a:t>
+            </a:r>
+            <a:r>
+              <a:rPr lang="fr-FR" dirty="0" err="1"/>
+              <a:t>Deamonless</a:t>
+            </a:r>
+            <a:r>
+              <a:rPr lang="fr-FR" dirty="0"/>
+              <a:t> = Pas de connexion persistante à un processus de longue durée. Supprime le problème où un crash du </a:t>
+            </a:r>
+            <a:r>
+              <a:rPr lang="fr-FR" dirty="0" err="1"/>
+              <a:t>deamon</a:t>
+            </a:r>
+            <a:r>
+              <a:rPr lang="fr-FR" dirty="0"/>
+              <a:t> peut tuer les conteneurs en cours</a:t>
+            </a:r>
+          </a:p>
+          <a:p>
+            <a:r>
+              <a:rPr lang="fr-FR" dirty="0"/>
+              <a:t> </a:t>
+            </a:r>
+            <a:r>
+              <a:rPr lang="fr-FR" dirty="0" err="1"/>
+              <a:t>Rootless</a:t>
+            </a:r>
+            <a:r>
+              <a:rPr lang="fr-FR" dirty="0"/>
+              <a:t> = Sécurité ++ (Mais docker commence à supporter aussi dans la version 20.10)</a:t>
+            </a:r>
+          </a:p>
+          <a:p>
             <a:endParaRPr lang="fr-FR" dirty="0"/>
           </a:p>
         </p:txBody>
@@ -1776,7 +1828,16 @@
           <a:bodyPr/>
           <a:lstStyle/>
           <a:p>
-            <a:endParaRPr lang="fr-FR" dirty="0"/>
+            <a:r>
+              <a:rPr lang="fr-FR" dirty="0"/>
+              <a:t>Orchestration : </a:t>
+            </a:r>
+          </a:p>
+          <a:p>
+            <a:r>
+              <a:rPr lang="fr-FR" dirty="0"/>
+              <a:t>- Gérer les images ensemble (images les plus petites possibles)</a:t>
+            </a:r>
           </a:p>
         </p:txBody>
       </p:sp>
@@ -1842,7 +1903,63 @@
           <a:bodyPr/>
           <a:lstStyle/>
           <a:p>
-            <a:endParaRPr lang="fr-FR" dirty="0"/>
+            <a:pPr marL="457200" indent="-457200">
+              <a:buAutoNum type="arabicParenR"/>
+            </a:pPr>
+            <a:r>
+              <a:rPr lang="fr-FR" dirty="0"/>
+              <a:t>Montrer un Hello World avec Alpine</a:t>
+            </a:r>
+          </a:p>
+          <a:p>
+            <a:pPr marL="457200" indent="-457200">
+              <a:buAutoNum type="arabicParenR"/>
+            </a:pPr>
+            <a:r>
+              <a:rPr lang="fr-FR" dirty="0"/>
+              <a:t>Montrer un </a:t>
+            </a:r>
+            <a:r>
+              <a:rPr lang="fr-FR" dirty="0" err="1"/>
+              <a:t>Angular</a:t>
+            </a:r>
+            <a:r>
+              <a:rPr lang="fr-FR" dirty="0"/>
+              <a:t> Serve</a:t>
+            </a:r>
+          </a:p>
+          <a:p>
+            <a:pPr marL="457200" indent="-457200">
+              <a:buAutoNum type="arabicParenR"/>
+            </a:pPr>
+            <a:r>
+              <a:rPr lang="fr-FR" dirty="0"/>
+              <a:t>Présenter le projet </a:t>
+            </a:r>
+            <a:r>
+              <a:rPr lang="fr-FR" dirty="0" err="1"/>
+              <a:t>MonoRepo</a:t>
+            </a:r>
+            <a:r>
+              <a:rPr lang="fr-FR" dirty="0"/>
+              <a:t> ( Gestion des images Docker, Builder les </a:t>
+            </a:r>
+            <a:r>
+              <a:rPr lang="fr-FR" dirty="0" err="1"/>
+              <a:t>pojets</a:t>
+            </a:r>
+            <a:r>
+              <a:rPr lang="fr-FR" dirty="0"/>
+              <a:t>, </a:t>
+            </a:r>
+            <a:r>
+              <a:rPr lang="fr-FR" dirty="0" err="1"/>
+              <a:t>Partagers</a:t>
+            </a:r>
+            <a:r>
+              <a:rPr lang="fr-FR" dirty="0"/>
+              <a:t> les ressources entre images)</a:t>
+            </a:r>
           </a:p>
         </p:txBody>
       </p:sp>
@@ -4489,7 +4606,7 @@
           </a:ln>
           <a:extLst>
             <a:ext uri="{C572A759-6A51-4108-AA02-DFA0A04FC94B}">
-              <ma14:wrappingTextBoxFlag xmlns:m="http://schemas.openxmlformats.org/officeDocument/2006/math" xmlns:a14="http://schemas.microsoft.com/office/drawing/2010/main" xmlns:ma14="http://schemas.microsoft.com/office/mac/drawingml/2011/main" xmlns="" val="1"/>
+              <ma14:wrappingTextBoxFlag xmlns="" xmlns:ma14="http://schemas.microsoft.com/office/mac/drawingml/2011/main" xmlns:a14="http://schemas.microsoft.com/office/drawing/2010/main" xmlns:m="http://schemas.openxmlformats.org/officeDocument/2006/math" val="1"/>
             </a:ext>
           </a:extLst>
         </p:spPr>
@@ -4567,7 +4684,7 @@
           </a:ln>
           <a:extLst>
             <a:ext uri="{C572A759-6A51-4108-AA02-DFA0A04FC94B}">
-              <ma14:wrappingTextBoxFlag xmlns:m="http://schemas.openxmlformats.org/officeDocument/2006/math" xmlns:a14="http://schemas.microsoft.com/office/drawing/2010/main" xmlns:ma14="http://schemas.microsoft.com/office/mac/drawingml/2011/main" xmlns="" val="1"/>
+              <ma14:wrappingTextBoxFlag xmlns="" xmlns:ma14="http://schemas.microsoft.com/office/mac/drawingml/2011/main" xmlns:a14="http://schemas.microsoft.com/office/drawing/2010/main" xmlns:m="http://schemas.openxmlformats.org/officeDocument/2006/math" val="1"/>
             </a:ext>
           </a:extLst>
         </p:spPr>
@@ -4606,7 +4723,7 @@
           </a:ln>
           <a:extLst>
             <a:ext uri="{C572A759-6A51-4108-AA02-DFA0A04FC94B}">
-              <ma14:wrappingTextBoxFlag xmlns:m="http://schemas.openxmlformats.org/officeDocument/2006/math" xmlns:a14="http://schemas.microsoft.com/office/drawing/2010/main" xmlns:ma14="http://schemas.microsoft.com/office/mac/drawingml/2011/main" xmlns="" val="1"/>
+              <ma14:wrappingTextBoxFlag xmlns="" xmlns:ma14="http://schemas.microsoft.com/office/mac/drawingml/2011/main" xmlns:a14="http://schemas.microsoft.com/office/drawing/2010/main" xmlns:m="http://schemas.openxmlformats.org/officeDocument/2006/math" val="1"/>
             </a:ext>
           </a:extLst>
         </p:spPr>
@@ -5548,34 +5665,34 @@
           <a:p>
             <a:pPr lvl="1"/>
             <a:r>
-              <a:rPr lang="en-US" sz="3200" dirty="0"/>
+              <a:rPr lang="en-US" dirty="0"/>
               <a:t>Docker cheat sheet (</a:t>
             </a:r>
             <a:r>
-              <a:rPr lang="en-US" sz="3200" dirty="0">
+              <a:rPr lang="en-US" dirty="0">
                 <a:hlinkClick r:id="rId3"/>
               </a:rPr>
               <a:t>https://dockerlabs.collabnix.com/docker/cheatsheet/</a:t>
             </a:r>
             <a:r>
-              <a:rPr lang="en-US" sz="3200" dirty="0"/>
+              <a:rPr lang="en-US" dirty="0"/>
               <a:t>) </a:t>
             </a:r>
           </a:p>
           <a:p>
             <a:pPr lvl="1"/>
             <a:r>
-              <a:rPr lang="en-US" sz="3200" dirty="0"/>
+              <a:rPr lang="en-US" dirty="0"/>
               <a:t>Docker compose cheat sheet (</a:t>
             </a:r>
             <a:r>
-              <a:rPr lang="en-US" sz="3200" dirty="0">
+              <a:rPr lang="en-US" dirty="0">
                 <a:hlinkClick r:id="rId4"/>
               </a:rPr>
               <a:t>https://devhints.io/docker-compose</a:t>
             </a:r>
             <a:r>
-              <a:rPr lang="en-US" sz="3200" dirty="0"/>
+              <a:rPr lang="en-US" dirty="0"/>
               <a:t>) </a:t>
             </a:r>
           </a:p>
@@ -6332,13 +6449,17 @@
           </p:nvPr>
         </p:nvSpPr>
         <p:spPr>
+          <a:xfrm>
+            <a:off x="1524000" y="4967416"/>
+            <a:ext cx="21005800" cy="8748584"/>
+          </a:xfrm>
           <a:prstGeom prst="rect">
             <a:avLst/>
           </a:prstGeom>
         </p:spPr>
         <p:txBody>
           <a:bodyPr>
-            <a:normAutofit fontScale="77500" lnSpcReduction="20000"/>
+            <a:normAutofit/>
           </a:bodyPr>
           <a:lstStyle/>
           <a:p>
@@ -6480,13 +6601,17 @@
           </p:nvPr>
         </p:nvSpPr>
         <p:spPr>
+          <a:xfrm>
+            <a:off x="1524000" y="5753708"/>
+            <a:ext cx="21005800" cy="7962291"/>
+          </a:xfrm>
           <a:prstGeom prst="rect">
             <a:avLst/>
           </a:prstGeom>
         </p:spPr>
         <p:txBody>
           <a:bodyPr>
-            <a:normAutofit/>
+            <a:normAutofit lnSpcReduction="10000"/>
           </a:bodyPr>
           <a:lstStyle/>
           <a:p>
@@ -6510,24 +6635,35 @@
           <a:p>
             <a:r>
               <a:rPr lang="en-US" dirty="0"/>
-              <a:t>TODO : </a:t>
-            </a:r>
+              <a:t>Alternatives : </a:t>
+            </a:r>
+          </a:p>
+          <a:p>
+            <a:pPr lvl="1"/>
             <a:r>
               <a:rPr lang="en-US" dirty="0" err="1"/>
-              <a:t>Montrer</a:t>
+              <a:t>Podman</a:t>
             </a:r>
             <a:r>
               <a:rPr lang="en-US" dirty="0"/>
               <a:t> </a:t>
             </a:r>
+          </a:p>
+          <a:p>
+            <a:pPr lvl="1"/>
             <a:r>
               <a:rPr lang="en-US" dirty="0" err="1"/>
-              <a:t>d’autres</a:t>
-            </a:r>
-            <a:r>
-              <a:rPr lang="en-US" dirty="0"/>
-              <a:t> solutions</a:t>
-            </a:r>
+              <a:t>Buildah</a:t>
+            </a:r>
+            <a:endParaRPr lang="en-US" dirty="0"/>
+          </a:p>
+          <a:p>
+            <a:pPr lvl="1"/>
+            <a:r>
+              <a:rPr lang="en-US" dirty="0" err="1"/>
+              <a:t>BuildKit</a:t>
+            </a:r>
+            <a:endParaRPr lang="en-US" dirty="0"/>
           </a:p>
           <a:p>
             <a:endParaRPr lang="en-US" dirty="0"/>
@@ -6581,6 +6717,165 @@
     <a:masterClrMapping/>
   </p:clrMapOvr>
   <p:transition spd="med"/>
+  <p:timing>
+    <p:tnLst>
+      <p:par>
+        <p:cTn id="1" dur="indefinite" restart="never" nodeType="tmRoot">
+          <p:childTnLst>
+            <p:seq concurrent="1" nextAc="seek">
+              <p:cTn id="2" dur="indefinite" nodeType="mainSeq">
+                <p:childTnLst>
+                  <p:par>
+                    <p:cTn id="3" fill="hold">
+                      <p:stCondLst>
+                        <p:cond delay="indefinite"/>
+                      </p:stCondLst>
+                      <p:childTnLst>
+                        <p:par>
+                          <p:cTn id="4" fill="hold">
+                            <p:stCondLst>
+                              <p:cond delay="0"/>
+                            </p:stCondLst>
+                            <p:childTnLst>
+                              <p:par>
+                                <p:cTn id="5" presetID="1" presetClass="entr" presetSubtype="0" fill="hold" nodeType="clickEffect">
+                                  <p:stCondLst>
+                                    <p:cond delay="0"/>
+                                  </p:stCondLst>
+                                  <p:childTnLst>
+                                    <p:set>
+                                      <p:cBhvr>
+                                        <p:cTn id="6" dur="1" fill="hold">
+                                          <p:stCondLst>
+                                            <p:cond delay="0"/>
+                                          </p:stCondLst>
+                                        </p:cTn>
+                                        <p:tgtEl>
+                                          <p:spTgt spid="316">
+                                            <p:txEl>
+                                              <p:pRg st="3" end="3"/>
+                                            </p:txEl>
+                                          </p:spTgt>
+                                        </p:tgtEl>
+                                        <p:attrNameLst>
+                                          <p:attrName>style.visibility</p:attrName>
+                                        </p:attrNameLst>
+                                      </p:cBhvr>
+                                      <p:to>
+                                        <p:strVal val="visible"/>
+                                      </p:to>
+                                    </p:set>
+                                  </p:childTnLst>
+                                </p:cTn>
+                              </p:par>
+                            </p:childTnLst>
+                          </p:cTn>
+                        </p:par>
+                      </p:childTnLst>
+                    </p:cTn>
+                  </p:par>
+                  <p:par>
+                    <p:cTn id="7" fill="hold">
+                      <p:stCondLst>
+                        <p:cond delay="indefinite"/>
+                      </p:stCondLst>
+                      <p:childTnLst>
+                        <p:par>
+                          <p:cTn id="8" fill="hold">
+                            <p:stCondLst>
+                              <p:cond delay="0"/>
+                            </p:stCondLst>
+                            <p:childTnLst>
+                              <p:par>
+                                <p:cTn id="9" presetID="1" presetClass="entr" presetSubtype="0" fill="hold" nodeType="clickEffect">
+                                  <p:stCondLst>
+                                    <p:cond delay="0"/>
+                                  </p:stCondLst>
+                                  <p:childTnLst>
+                                    <p:set>
+                                      <p:cBhvr>
+                                        <p:cTn id="10" dur="1" fill="hold">
+                                          <p:stCondLst>
+                                            <p:cond delay="0"/>
+                                          </p:stCondLst>
+                                        </p:cTn>
+                                        <p:tgtEl>
+                                          <p:spTgt spid="316">
+                                            <p:txEl>
+                                              <p:pRg st="4" end="4"/>
+                                            </p:txEl>
+                                          </p:spTgt>
+                                        </p:tgtEl>
+                                        <p:attrNameLst>
+                                          <p:attrName>style.visibility</p:attrName>
+                                        </p:attrNameLst>
+                                      </p:cBhvr>
+                                      <p:to>
+                                        <p:strVal val="visible"/>
+                                      </p:to>
+                                    </p:set>
+                                  </p:childTnLst>
+                                </p:cTn>
+                              </p:par>
+                              <p:par>
+                                <p:cTn id="11" presetID="1" presetClass="entr" presetSubtype="0" fill="hold" nodeType="withEffect">
+                                  <p:stCondLst>
+                                    <p:cond delay="0"/>
+                                  </p:stCondLst>
+                                  <p:childTnLst>
+                                    <p:set>
+                                      <p:cBhvr>
+                                        <p:cTn id="12" dur="1" fill="hold">
+                                          <p:stCondLst>
+                                            <p:cond delay="0"/>
+                                          </p:stCondLst>
+                                        </p:cTn>
+                                        <p:tgtEl>
+                                          <p:spTgt spid="316">
+                                            <p:txEl>
+                                              <p:pRg st="5" end="5"/>
+                                            </p:txEl>
+                                          </p:spTgt>
+                                        </p:tgtEl>
+                                        <p:attrNameLst>
+                                          <p:attrName>style.visibility</p:attrName>
+                                        </p:attrNameLst>
+                                      </p:cBhvr>
+                                      <p:to>
+                                        <p:strVal val="visible"/>
+                                      </p:to>
+                                    </p:set>
+                                  </p:childTnLst>
+                                </p:cTn>
+                              </p:par>
+                            </p:childTnLst>
+                          </p:cTn>
+                        </p:par>
+                      </p:childTnLst>
+                    </p:cTn>
+                  </p:par>
+                </p:childTnLst>
+              </p:cTn>
+              <p:prevCondLst>
+                <p:cond evt="onPrev" delay="0">
+                  <p:tgtEl>
+                    <p:sldTgt/>
+                  </p:tgtEl>
+                </p:cond>
+              </p:prevCondLst>
+              <p:nextCondLst>
+                <p:cond evt="onNext" delay="0">
+                  <p:tgtEl>
+                    <p:sldTgt/>
+                  </p:tgtEl>
+                </p:cond>
+              </p:nextCondLst>
+            </p:seq>
+          </p:childTnLst>
+        </p:cTn>
+      </p:par>
+    </p:tnLst>
+  </p:timing>
 </p:sld>
 </file>
 
@@ -6640,107 +6935,111 @@
           </p:nvPr>
         </p:nvSpPr>
         <p:spPr>
+          <a:xfrm>
+            <a:off x="1524000" y="4992130"/>
+            <a:ext cx="21005800" cy="7496559"/>
+          </a:xfrm>
           <a:prstGeom prst="rect">
             <a:avLst/>
           </a:prstGeom>
         </p:spPr>
         <p:txBody>
           <a:bodyPr>
-            <a:normAutofit fontScale="47500" lnSpcReduction="20000"/>
+            <a:normAutofit fontScale="25000" lnSpcReduction="20000"/>
           </a:bodyPr>
           <a:lstStyle/>
           <a:p>
             <a:r>
-              <a:rPr lang="en-US" dirty="0"/>
+              <a:rPr lang="en-US" sz="19200" dirty="0"/>
               <a:t>Windows (</a:t>
             </a:r>
             <a:r>
-              <a:rPr lang="en-US" dirty="0" err="1"/>
+              <a:rPr lang="en-US" sz="19200" dirty="0" err="1"/>
               <a:t>Entreprise</a:t>
             </a:r>
             <a:r>
-              <a:rPr lang="en-US" dirty="0"/>
+              <a:rPr lang="en-US" sz="19200" dirty="0"/>
               <a:t> </a:t>
             </a:r>
             <a:r>
-              <a:rPr lang="en-US" dirty="0" err="1"/>
+              <a:rPr lang="en-US" sz="19200" dirty="0" err="1"/>
               <a:t>ou</a:t>
             </a:r>
             <a:r>
-              <a:rPr lang="en-US" dirty="0"/>
+              <a:rPr lang="en-US" sz="19200" dirty="0"/>
               <a:t> Pro)</a:t>
             </a:r>
           </a:p>
           <a:p>
             <a:pPr lvl="1"/>
             <a:r>
-              <a:rPr lang="en-US" dirty="0">
+              <a:rPr lang="en-US" sz="19200" dirty="0">
                 <a:hlinkClick r:id="rId2"/>
               </a:rPr>
               <a:t>https://docs.docker.com/desktop/install/windows-install/</a:t>
             </a:r>
-            <a:endParaRPr lang="en-US" dirty="0"/>
-          </a:p>
-          <a:p>
-            <a:r>
-              <a:rPr lang="en-US" dirty="0"/>
+            <a:endParaRPr lang="en-US" sz="19200" dirty="0"/>
+          </a:p>
+          <a:p>
+            <a:r>
+              <a:rPr lang="en-US" sz="19200" dirty="0"/>
               <a:t>Windows</a:t>
             </a:r>
           </a:p>
           <a:p>
             <a:pPr lvl="1"/>
             <a:r>
-              <a:rPr lang="en-US" dirty="0">
+              <a:rPr lang="en-US" sz="19200" dirty="0">
                 <a:hlinkClick r:id="rId3"/>
               </a:rPr>
               <a:t>https://docs.docker.com/desktop/</a:t>
             </a:r>
-            <a:endParaRPr lang="en-US" dirty="0"/>
-          </a:p>
-          <a:p>
-            <a:r>
-              <a:rPr lang="en-US" dirty="0"/>
+            <a:endParaRPr lang="en-US" sz="19200" dirty="0"/>
+          </a:p>
+          <a:p>
+            <a:r>
+              <a:rPr lang="en-US" sz="19200" dirty="0"/>
               <a:t>Mac</a:t>
             </a:r>
           </a:p>
           <a:p>
             <a:pPr lvl="1"/>
             <a:r>
-              <a:rPr lang="en-US" dirty="0">
+              <a:rPr lang="en-US" sz="19200" dirty="0">
                 <a:hlinkClick r:id="rId4"/>
               </a:rPr>
               <a:t>https://docs.docker.com/desktop/install/mac-install/</a:t>
             </a:r>
-            <a:endParaRPr lang="en-US" dirty="0"/>
+            <a:endParaRPr lang="en-US" sz="19200" dirty="0"/>
           </a:p>
           <a:p>
             <a:pPr lvl="1"/>
             <a:r>
-              <a:rPr lang="en-US" dirty="0"/>
+              <a:rPr lang="en-US" sz="19200" dirty="0"/>
               <a:t>TODO : </a:t>
             </a:r>
             <a:r>
-              <a:rPr lang="en-US" dirty="0" err="1"/>
+              <a:rPr lang="en-US" sz="19200" dirty="0" err="1"/>
               <a:t>Parler</a:t>
             </a:r>
             <a:r>
-              <a:rPr lang="en-US" dirty="0"/>
+              <a:rPr lang="en-US" sz="19200" dirty="0"/>
               <a:t> du </a:t>
             </a:r>
             <a:r>
-              <a:rPr lang="en-US" dirty="0" err="1"/>
+              <a:rPr lang="en-US" sz="19200" dirty="0" err="1"/>
               <a:t>deamon</a:t>
             </a:r>
             <a:r>
-              <a:rPr lang="en-US" dirty="0"/>
+              <a:rPr lang="en-US" sz="19200" dirty="0"/>
               <a:t> (</a:t>
             </a:r>
             <a:r>
-              <a:rPr lang="en-US" dirty="0" err="1"/>
+              <a:rPr lang="en-US" sz="19200" dirty="0" err="1"/>
               <a:t>voir</a:t>
             </a:r>
             <a:r>
-              <a:rPr lang="en-US" dirty="0"/>
+              <a:rPr lang="en-US" sz="19200" dirty="0"/>
               <a:t> pour la VM)</a:t>
             </a:r>
           </a:p>
@@ -6831,15 +7130,7 @@
           <a:p>
             <a:r>
               <a:rPr lang="en-US" dirty="0"/>
-              <a:t>Orchestration (TODO : </a:t>
-            </a:r>
-            <a:r>
-              <a:rPr lang="en-US" dirty="0" err="1"/>
-              <a:t>parler</a:t>
-            </a:r>
-            <a:r>
-              <a:rPr lang="en-US" dirty="0"/>
-              <a:t> de faire des images les plus petits possible)</a:t>
+              <a:t>Orchestration </a:t>
             </a:r>
           </a:p>
           <a:p>
@@ -6992,7 +7283,7 @@
             <a:pPr algn="ctr"/>
             <a:r>
               <a:rPr lang="nl-BE" dirty="0"/>
-              <a:t>Cas concret</a:t>
+              <a:t>Cas concrets</a:t>
             </a:r>
             <a:endParaRPr dirty="0"/>
           </a:p>
@@ -7015,124 +7306,12 @@
         </p:spPr>
         <p:txBody>
           <a:bodyPr>
-            <a:normAutofit fontScale="25000" lnSpcReduction="20000"/>
+            <a:noAutofit/>
           </a:bodyPr>
           <a:lstStyle/>
           <a:p>
-            <a:r>
-              <a:rPr lang="en-US" dirty="0" err="1"/>
-              <a:t>Exemple</a:t>
-            </a:r>
-            <a:r>
-              <a:rPr lang="en-US" dirty="0"/>
-              <a:t> simple Alpine (</a:t>
-            </a:r>
-            <a:r>
-              <a:rPr lang="en-US" dirty="0" err="1"/>
-              <a:t>rentrer</a:t>
-            </a:r>
-            <a:r>
-              <a:rPr lang="en-US" dirty="0"/>
-              <a:t> dans la console ”interactive” et lancer </a:t>
-            </a:r>
-            <a:r>
-              <a:rPr lang="en-US" dirty="0" err="1"/>
-              <a:t>quelques</a:t>
-            </a:r>
-            <a:r>
-              <a:rPr lang="en-US" dirty="0"/>
-              <a:t> </a:t>
-            </a:r>
-            <a:r>
-              <a:rPr lang="en-US" dirty="0" err="1"/>
-              <a:t>commandes</a:t>
-            </a:r>
-            <a:r>
-              <a:rPr lang="en-US" dirty="0"/>
-              <a:t> de demo)</a:t>
-            </a:r>
-          </a:p>
-          <a:p>
-            <a:r>
-              <a:rPr lang="en-US" sz="11200" dirty="0" err="1"/>
-              <a:t>Projet</a:t>
-            </a:r>
-            <a:r>
-              <a:rPr lang="en-US" sz="11200" dirty="0"/>
-              <a:t> mono repo</a:t>
-            </a:r>
-          </a:p>
-          <a:p>
             <a:pPr lvl="1"/>
-            <a:r>
-              <a:rPr lang="en-US" sz="11200" dirty="0"/>
-              <a:t>TODO : </a:t>
-            </a:r>
-            <a:r>
-              <a:rPr lang="en-US" sz="11200" dirty="0" err="1"/>
-              <a:t>Présenter</a:t>
-            </a:r>
-            <a:r>
-              <a:rPr lang="en-US" sz="11200" dirty="0"/>
-              <a:t> le </a:t>
-            </a:r>
-            <a:r>
-              <a:rPr lang="en-US" sz="11200" dirty="0" err="1"/>
-              <a:t>projet</a:t>
-            </a:r>
-            <a:endParaRPr lang="en-US" sz="11200" dirty="0"/>
-          </a:p>
-          <a:p>
-            <a:pPr lvl="1"/>
-            <a:r>
-              <a:rPr lang="en-US" sz="5600" dirty="0"/>
-              <a:t>Gestion des images Docker</a:t>
-            </a:r>
-          </a:p>
-          <a:p>
-            <a:pPr lvl="1"/>
-            <a:r>
-              <a:rPr lang="en-US" sz="5600" dirty="0"/>
-              <a:t>Builder les </a:t>
-            </a:r>
-            <a:r>
-              <a:rPr lang="en-US" sz="5600" dirty="0" err="1"/>
-              <a:t>projets</a:t>
-            </a:r>
-            <a:endParaRPr lang="en-US" sz="5600" dirty="0"/>
-          </a:p>
-          <a:p>
-            <a:pPr lvl="1"/>
-            <a:r>
-              <a:rPr lang="en-US" sz="5600" dirty="0" err="1"/>
-              <a:t>Partager</a:t>
-            </a:r>
-            <a:r>
-              <a:rPr lang="en-US" sz="5600" dirty="0"/>
-              <a:t> les </a:t>
-            </a:r>
-            <a:r>
-              <a:rPr lang="en-US" sz="5600" dirty="0" err="1"/>
-              <a:t>ressources</a:t>
-            </a:r>
-            <a:r>
-              <a:rPr lang="en-US" sz="5600" dirty="0"/>
-              <a:t> entre images</a:t>
-            </a:r>
-          </a:p>
-          <a:p>
-            <a:pPr lvl="1"/>
-            <a:r>
-              <a:rPr lang="en-US" sz="5600" dirty="0"/>
-              <a:t>Exposer les ports</a:t>
-            </a:r>
-          </a:p>
-          <a:p>
-            <a:pPr lvl="1"/>
-            <a:r>
-              <a:rPr lang="en-US" sz="5600" dirty="0"/>
-              <a:t>Rebuilder les images Docker</a:t>
-            </a:r>
+            <a:endParaRPr lang="en-US" sz="3600" dirty="0"/>
           </a:p>
         </p:txBody>
       </p:sp>
@@ -9394,15 +9573,6 @@
 </file>
 
 <file path=customXml/item1.xml><?xml version="1.0" encoding="utf-8"?>
-<?mso-contentType ?>
-<FormTemplates xmlns="http://schemas.microsoft.com/sharepoint/v3/contenttype/forms">
-  <Display>DocumentLibraryForm</Display>
-  <Edit>DocumentLibraryForm</Edit>
-  <New>DocumentLibraryForm</New>
-</FormTemplates>
-</file>
-
-<file path=customXml/item2.xml><?xml version="1.0" encoding="utf-8"?>
 <p:properties xmlns:p="http://schemas.microsoft.com/office/2006/metadata/properties" xmlns:xsi="http://www.w3.org/2001/XMLSchema-instance" xmlns:pc="http://schemas.microsoft.com/office/infopath/2007/PartnerControls">
   <documentManagement>
     <TaxCatchAll xmlns="ed2af0ca-5a5d-452d-854e-48256eab3846" xsi:nil="true"/>
@@ -9411,6 +9581,15 @@
     </lcf76f155ced4ddcb4097134ff3c332f>
   </documentManagement>
 </p:properties>
+</file>
+
+<file path=customXml/item2.xml><?xml version="1.0" encoding="utf-8"?>
+<?mso-contentType ?>
+<FormTemplates xmlns="http://schemas.microsoft.com/sharepoint/v3/contenttype/forms">
+  <Display>DocumentLibraryForm</Display>
+  <Edit>DocumentLibraryForm</Edit>
+  <New>DocumentLibraryForm</New>
+</FormTemplates>
 </file>
 
 <file path=customXml/item3.xml><?xml version="1.0" encoding="utf-8"?>
@@ -9657,14 +9836,6 @@
 </file>
 
 <file path=customXml/itemProps1.xml><?xml version="1.0" encoding="utf-8"?>
-<ds:datastoreItem xmlns:ds="http://schemas.openxmlformats.org/officeDocument/2006/customXml" ds:itemID="{3A69BE71-5FA4-4A1B-A5C7-9D6F53015D73}">
-  <ds:schemaRefs>
-    <ds:schemaRef ds:uri="http://schemas.microsoft.com/sharepoint/v3/contenttype/forms"/>
-  </ds:schemaRefs>
-</ds:datastoreItem>
-</file>
-
-<file path=customXml/itemProps2.xml><?xml version="1.0" encoding="utf-8"?>
 <ds:datastoreItem xmlns:ds="http://schemas.openxmlformats.org/officeDocument/2006/customXml" ds:itemID="{84622A9D-3F30-4319-B425-8257513C9BFD}">
   <ds:schemaRefs>
     <ds:schemaRef ds:uri="http://purl.org/dc/dcmitype/"/>
@@ -9677,6 +9848,14 @@
     <ds:schemaRef ds:uri="http://schemas.microsoft.com/office/infopath/2007/PartnerControls"/>
     <ds:schemaRef ds:uri="f3896efa-8e05-454e-bee7-2ddfca80f253"/>
     <ds:schemaRef ds:uri="http://schemas.microsoft.com/office/2006/metadata/properties"/>
+  </ds:schemaRefs>
+</ds:datastoreItem>
+</file>
+
+<file path=customXml/itemProps2.xml><?xml version="1.0" encoding="utf-8"?>
+<ds:datastoreItem xmlns:ds="http://schemas.openxmlformats.org/officeDocument/2006/customXml" ds:itemID="{3A69BE71-5FA4-4A1B-A5C7-9D6F53015D73}">
+  <ds:schemaRefs>
+    <ds:schemaRef ds:uri="http://schemas.microsoft.com/sharepoint/v3/contenttype/forms"/>
   </ds:schemaRefs>
 </ds:datastoreItem>
 </file>
